--- a/android/assets/working/0701AND_junta_suzuki.pptx
+++ b/android/assets/working/0701AND_junta_suzuki.pptx
@@ -2134,7 +2134,7 @@
           </a:ln>
           <a:extLst>
             <a:ext uri="{C572A759-6A51-4108-AA02-DFA0A04FC94B}">
-              <ma14:wrappingTextBoxFlag xmlns="" xmlns:ma14="http://schemas.microsoft.com/office/mac/drawingml/2011/main" val="1"/>
+              <ma14:wrappingTextBoxFlag xmlns:ma14="http://schemas.microsoft.com/office/mac/drawingml/2011/main" xmlns="" val="1"/>
             </a:ext>
           </a:extLst>
         </p:spPr>
@@ -2173,7 +2173,7 @@
           </a:ln>
           <a:extLst>
             <a:ext uri="{C572A759-6A51-4108-AA02-DFA0A04FC94B}">
-              <ma14:wrappingTextBoxFlag xmlns="" xmlns:ma14="http://schemas.microsoft.com/office/mac/drawingml/2011/main" val="1"/>
+              <ma14:wrappingTextBoxFlag xmlns:ma14="http://schemas.microsoft.com/office/mac/drawingml/2011/main" xmlns="" val="1"/>
             </a:ext>
           </a:extLst>
         </p:spPr>
@@ -3602,7 +3602,7 @@
           </a:ln>
           <a:extLst>
             <a:ext uri="{C572A759-6A51-4108-AA02-DFA0A04FC94B}">
-              <ma14:wrappingTextBoxFlag xmlns="" xmlns:ma14="http://schemas.microsoft.com/office/mac/drawingml/2011/main" val="1"/>
+              <ma14:wrappingTextBoxFlag xmlns:ma14="http://schemas.microsoft.com/office/mac/drawingml/2011/main" xmlns="" val="1"/>
             </a:ext>
           </a:extLst>
         </p:spPr>
@@ -3868,31 +3868,43 @@
       </p:sp>
       <p:pic>
         <p:nvPicPr>
-          <p:cNvPr id="134" name="game_screen.jpg"/>
+          <p:cNvPr id="1026" name="Picture 2" descr="C:\Users\0701AND\Pictures\gamescreen.png"/>
           <p:cNvPicPr>
-            <a:picLocks noChangeAspect="1"/>
+            <a:picLocks noChangeAspect="1" noChangeArrowheads="1"/>
           </p:cNvPicPr>
           <p:nvPr/>
         </p:nvPicPr>
         <p:blipFill>
           <a:blip r:embed="rId2">
-            <a:extLst/>
+            <a:extLst>
+              <a:ext uri="{28A0092B-C50C-407E-A947-70E740481C1C}">
+                <a14:useLocalDpi xmlns:a14="http://schemas.microsoft.com/office/drawing/2010/main" val="0"/>
+              </a:ext>
+            </a:extLst>
           </a:blip>
+          <a:srcRect/>
           <a:stretch>
             <a:fillRect/>
           </a:stretch>
         </p:blipFill>
-        <p:spPr>
+        <p:spPr bwMode="auto">
           <a:xfrm>
-            <a:off x="8734648" y="3087697"/>
-            <a:ext cx="3128722" cy="5180003"/>
+            <a:off x="8518624" y="2572544"/>
+            <a:ext cx="3744416" cy="6261212"/>
           </a:xfrm>
           <a:prstGeom prst="rect">
             <a:avLst/>
           </a:prstGeom>
-          <a:ln w="12700">
-            <a:miter lim="400000"/>
-          </a:ln>
+          <a:noFill/>
+          <a:extLst>
+            <a:ext uri="{909E8E84-426E-40DD-AFC4-6F175D3DCCD1}">
+              <a14:hiddenFill xmlns:a14="http://schemas.microsoft.com/office/drawing/2010/main">
+                <a:solidFill>
+                  <a:srgbClr val="FFFFFF"/>
+                </a:solidFill>
+              </a14:hiddenFill>
+            </a:ext>
+          </a:extLst>
         </p:spPr>
       </p:pic>
     </p:spTree>
